--- a/misc.pptx
+++ b/misc.pptx
@@ -292,7 +292,7 @@
             <a:fld id="{D402BF7D-F251-43C7-97BB-91CE6774D293}" type="datetimeFigureOut">
               <a:rPr lang="en-IN" smtClean="0"/>
               <a:pPr/>
-              <a:t>18-04-2020</a:t>
+              <a:t>21-04-2020</a:t>
             </a:fld>
             <a:endParaRPr lang="en-IN"/>
           </a:p>
@@ -459,7 +459,7 @@
             <a:fld id="{D402BF7D-F251-43C7-97BB-91CE6774D293}" type="datetimeFigureOut">
               <a:rPr lang="en-IN" smtClean="0"/>
               <a:pPr/>
-              <a:t>18-04-2020</a:t>
+              <a:t>21-04-2020</a:t>
             </a:fld>
             <a:endParaRPr lang="en-IN"/>
           </a:p>
@@ -636,7 +636,7 @@
             <a:fld id="{D402BF7D-F251-43C7-97BB-91CE6774D293}" type="datetimeFigureOut">
               <a:rPr lang="en-IN" smtClean="0"/>
               <a:pPr/>
-              <a:t>18-04-2020</a:t>
+              <a:t>21-04-2020</a:t>
             </a:fld>
             <a:endParaRPr lang="en-IN"/>
           </a:p>
@@ -803,7 +803,7 @@
             <a:fld id="{D402BF7D-F251-43C7-97BB-91CE6774D293}" type="datetimeFigureOut">
               <a:rPr lang="en-IN" smtClean="0"/>
               <a:pPr/>
-              <a:t>18-04-2020</a:t>
+              <a:t>21-04-2020</a:t>
             </a:fld>
             <a:endParaRPr lang="en-IN"/>
           </a:p>
@@ -1046,7 +1046,7 @@
             <a:fld id="{D402BF7D-F251-43C7-97BB-91CE6774D293}" type="datetimeFigureOut">
               <a:rPr lang="en-IN" smtClean="0"/>
               <a:pPr/>
-              <a:t>18-04-2020</a:t>
+              <a:t>21-04-2020</a:t>
             </a:fld>
             <a:endParaRPr lang="en-IN"/>
           </a:p>
@@ -1331,7 +1331,7 @@
             <a:fld id="{D402BF7D-F251-43C7-97BB-91CE6774D293}" type="datetimeFigureOut">
               <a:rPr lang="en-IN" smtClean="0"/>
               <a:pPr/>
-              <a:t>18-04-2020</a:t>
+              <a:t>21-04-2020</a:t>
             </a:fld>
             <a:endParaRPr lang="en-IN"/>
           </a:p>
@@ -1750,7 +1750,7 @@
             <a:fld id="{D402BF7D-F251-43C7-97BB-91CE6774D293}" type="datetimeFigureOut">
               <a:rPr lang="en-IN" smtClean="0"/>
               <a:pPr/>
-              <a:t>18-04-2020</a:t>
+              <a:t>21-04-2020</a:t>
             </a:fld>
             <a:endParaRPr lang="en-IN"/>
           </a:p>
@@ -1865,7 +1865,7 @@
             <a:fld id="{D402BF7D-F251-43C7-97BB-91CE6774D293}" type="datetimeFigureOut">
               <a:rPr lang="en-IN" smtClean="0"/>
               <a:pPr/>
-              <a:t>18-04-2020</a:t>
+              <a:t>21-04-2020</a:t>
             </a:fld>
             <a:endParaRPr lang="en-IN"/>
           </a:p>
@@ -1957,7 +1957,7 @@
             <a:fld id="{D402BF7D-F251-43C7-97BB-91CE6774D293}" type="datetimeFigureOut">
               <a:rPr lang="en-IN" smtClean="0"/>
               <a:pPr/>
-              <a:t>18-04-2020</a:t>
+              <a:t>21-04-2020</a:t>
             </a:fld>
             <a:endParaRPr lang="en-IN"/>
           </a:p>
@@ -2231,7 +2231,7 @@
             <a:fld id="{D402BF7D-F251-43C7-97BB-91CE6774D293}" type="datetimeFigureOut">
               <a:rPr lang="en-IN" smtClean="0"/>
               <a:pPr/>
-              <a:t>18-04-2020</a:t>
+              <a:t>21-04-2020</a:t>
             </a:fld>
             <a:endParaRPr lang="en-IN"/>
           </a:p>
@@ -2481,7 +2481,7 @@
             <a:fld id="{D402BF7D-F251-43C7-97BB-91CE6774D293}" type="datetimeFigureOut">
               <a:rPr lang="en-IN" smtClean="0"/>
               <a:pPr/>
-              <a:t>18-04-2020</a:t>
+              <a:t>21-04-2020</a:t>
             </a:fld>
             <a:endParaRPr lang="en-IN"/>
           </a:p>
@@ -2691,7 +2691,7 @@
             <a:fld id="{D402BF7D-F251-43C7-97BB-91CE6774D293}" type="datetimeFigureOut">
               <a:rPr lang="en-IN" smtClean="0"/>
               <a:pPr/>
-              <a:t>18-04-2020</a:t>
+              <a:t>21-04-2020</a:t>
             </a:fld>
             <a:endParaRPr lang="en-IN"/>
           </a:p>
@@ -3711,9 +3711,54 @@
           </a:p>
           <a:p>
             <a:r>
+              <a:rPr lang="en-IN" dirty="0" smtClean="0"/>
+              <a:t>git remote </a:t>
+            </a:r>
+            <a:r>
+              <a:rPr lang="en-IN" dirty="0" smtClean="0"/>
+              <a:t>–v</a:t>
+            </a:r>
+          </a:p>
+          <a:p>
+            <a:r>
+              <a:rPr lang="en-IN" dirty="0" smtClean="0"/>
+              <a:t>git clone &lt;git repo </a:t>
+            </a:r>
+            <a:r>
+              <a:rPr lang="en-IN" dirty="0" err="1" smtClean="0"/>
+              <a:t>url</a:t>
+            </a:r>
+            <a:r>
+              <a:rPr lang="en-IN" dirty="0" smtClean="0"/>
+              <a:t>&gt;</a:t>
+            </a:r>
+          </a:p>
+          <a:p>
+            <a:r>
+              <a:rPr lang="en-IN" dirty="0" smtClean="0"/>
+              <a:t>git add &lt;file names&gt; (or) git add .</a:t>
+            </a:r>
+          </a:p>
+          <a:p>
+            <a:r>
+              <a:rPr lang="en-IN" dirty="0" smtClean="0"/>
+              <a:t>git commit -m “commit message”</a:t>
+            </a:r>
+          </a:p>
+          <a:p>
+            <a:r>
+              <a:rPr lang="en-IN" dirty="0" smtClean="0"/>
+              <a:t>git </a:t>
+            </a:r>
+            <a:r>
               <a:rPr lang="en-IN" smtClean="0"/>
-              <a:t>git remote -v</a:t>
-            </a:r>
+              <a:t>push origin master</a:t>
+            </a:r>
+          </a:p>
+          <a:p>
+            <a:endParaRPr lang="en-IN" dirty="0" smtClean="0"/>
+          </a:p>
+          <a:p>
             <a:endParaRPr lang="en-IN" dirty="0"/>
           </a:p>
         </p:txBody>

--- a/misc.pptx
+++ b/misc.pptx
@@ -5,10 +5,18 @@
     <p:sldMasterId id="2147483648" r:id="rId1"/>
   </p:sldMasterIdLst>
   <p:sldIdLst>
-    <p:sldId id="256" r:id="rId2"/>
-    <p:sldId id="257" r:id="rId3"/>
-    <p:sldId id="258" r:id="rId4"/>
-    <p:sldId id="259" r:id="rId5"/>
+    <p:sldId id="260" r:id="rId2"/>
+    <p:sldId id="261" r:id="rId3"/>
+    <p:sldId id="262" r:id="rId4"/>
+    <p:sldId id="263" r:id="rId5"/>
+    <p:sldId id="264" r:id="rId6"/>
+    <p:sldId id="265" r:id="rId7"/>
+    <p:sldId id="266" r:id="rId8"/>
+    <p:sldId id="267" r:id="rId9"/>
+    <p:sldId id="256" r:id="rId10"/>
+    <p:sldId id="257" r:id="rId11"/>
+    <p:sldId id="258" r:id="rId12"/>
+    <p:sldId id="259" r:id="rId13"/>
   </p:sldIdLst>
   <p:sldSz cx="9144000" cy="6858000" type="screen4x3"/>
   <p:notesSz cx="6858000" cy="9144000"/>
@@ -292,7 +300,7 @@
             <a:fld id="{D402BF7D-F251-43C7-97BB-91CE6774D293}" type="datetimeFigureOut">
               <a:rPr lang="en-IN" smtClean="0"/>
               <a:pPr/>
-              <a:t>21-04-2020</a:t>
+              <a:t>08-05-2020</a:t>
             </a:fld>
             <a:endParaRPr lang="en-IN"/>
           </a:p>
@@ -459,7 +467,7 @@
             <a:fld id="{D402BF7D-F251-43C7-97BB-91CE6774D293}" type="datetimeFigureOut">
               <a:rPr lang="en-IN" smtClean="0"/>
               <a:pPr/>
-              <a:t>21-04-2020</a:t>
+              <a:t>08-05-2020</a:t>
             </a:fld>
             <a:endParaRPr lang="en-IN"/>
           </a:p>
@@ -636,7 +644,7 @@
             <a:fld id="{D402BF7D-F251-43C7-97BB-91CE6774D293}" type="datetimeFigureOut">
               <a:rPr lang="en-IN" smtClean="0"/>
               <a:pPr/>
-              <a:t>21-04-2020</a:t>
+              <a:t>08-05-2020</a:t>
             </a:fld>
             <a:endParaRPr lang="en-IN"/>
           </a:p>
@@ -803,7 +811,7 @@
             <a:fld id="{D402BF7D-F251-43C7-97BB-91CE6774D293}" type="datetimeFigureOut">
               <a:rPr lang="en-IN" smtClean="0"/>
               <a:pPr/>
-              <a:t>21-04-2020</a:t>
+              <a:t>08-05-2020</a:t>
             </a:fld>
             <a:endParaRPr lang="en-IN"/>
           </a:p>
@@ -1046,7 +1054,7 @@
             <a:fld id="{D402BF7D-F251-43C7-97BB-91CE6774D293}" type="datetimeFigureOut">
               <a:rPr lang="en-IN" smtClean="0"/>
               <a:pPr/>
-              <a:t>21-04-2020</a:t>
+              <a:t>08-05-2020</a:t>
             </a:fld>
             <a:endParaRPr lang="en-IN"/>
           </a:p>
@@ -1331,7 +1339,7 @@
             <a:fld id="{D402BF7D-F251-43C7-97BB-91CE6774D293}" type="datetimeFigureOut">
               <a:rPr lang="en-IN" smtClean="0"/>
               <a:pPr/>
-              <a:t>21-04-2020</a:t>
+              <a:t>08-05-2020</a:t>
             </a:fld>
             <a:endParaRPr lang="en-IN"/>
           </a:p>
@@ -1750,7 +1758,7 @@
             <a:fld id="{D402BF7D-F251-43C7-97BB-91CE6774D293}" type="datetimeFigureOut">
               <a:rPr lang="en-IN" smtClean="0"/>
               <a:pPr/>
-              <a:t>21-04-2020</a:t>
+              <a:t>08-05-2020</a:t>
             </a:fld>
             <a:endParaRPr lang="en-IN"/>
           </a:p>
@@ -1865,7 +1873,7 @@
             <a:fld id="{D402BF7D-F251-43C7-97BB-91CE6774D293}" type="datetimeFigureOut">
               <a:rPr lang="en-IN" smtClean="0"/>
               <a:pPr/>
-              <a:t>21-04-2020</a:t>
+              <a:t>08-05-2020</a:t>
             </a:fld>
             <a:endParaRPr lang="en-IN"/>
           </a:p>
@@ -1957,7 +1965,7 @@
             <a:fld id="{D402BF7D-F251-43C7-97BB-91CE6774D293}" type="datetimeFigureOut">
               <a:rPr lang="en-IN" smtClean="0"/>
               <a:pPr/>
-              <a:t>21-04-2020</a:t>
+              <a:t>08-05-2020</a:t>
             </a:fld>
             <a:endParaRPr lang="en-IN"/>
           </a:p>
@@ -2231,7 +2239,7 @@
             <a:fld id="{D402BF7D-F251-43C7-97BB-91CE6774D293}" type="datetimeFigureOut">
               <a:rPr lang="en-IN" smtClean="0"/>
               <a:pPr/>
-              <a:t>21-04-2020</a:t>
+              <a:t>08-05-2020</a:t>
             </a:fld>
             <a:endParaRPr lang="en-IN"/>
           </a:p>
@@ -2481,7 +2489,7 @@
             <a:fld id="{D402BF7D-F251-43C7-97BB-91CE6774D293}" type="datetimeFigureOut">
               <a:rPr lang="en-IN" smtClean="0"/>
               <a:pPr/>
-              <a:t>21-04-2020</a:t>
+              <a:t>08-05-2020</a:t>
             </a:fld>
             <a:endParaRPr lang="en-IN"/>
           </a:p>
@@ -2691,7 +2699,7 @@
             <a:fld id="{D402BF7D-F251-43C7-97BB-91CE6774D293}" type="datetimeFigureOut">
               <a:rPr lang="en-IN" smtClean="0"/>
               <a:pPr/>
-              <a:t>21-04-2020</a:t>
+              <a:t>08-05-2020</a:t>
             </a:fld>
             <a:endParaRPr lang="en-IN"/>
           </a:p>
@@ -3062,38 +3070,91 @@
           <a:chExt cx="0" cy="0"/>
         </a:xfrm>
       </p:grpSpPr>
-      <p:pic>
-        <p:nvPicPr>
-          <p:cNvPr id="1026" name="Picture 2"/>
-          <p:cNvPicPr>
-            <a:picLocks noChangeAspect="1" noChangeArrowheads="1"/>
-          </p:cNvPicPr>
-          <p:nvPr/>
-        </p:nvPicPr>
-        <p:blipFill>
-          <a:blip r:embed="rId2" cstate="print"/>
-          <a:srcRect/>
-          <a:stretch>
-            <a:fillRect/>
-          </a:stretch>
-        </p:blipFill>
-        <p:spPr bwMode="auto">
-          <a:xfrm>
-            <a:off x="272802" y="476672"/>
-            <a:ext cx="8581140" cy="4824536"/>
-          </a:xfrm>
-          <a:prstGeom prst="rect">
-            <a:avLst/>
-          </a:prstGeom>
-          <a:noFill/>
-          <a:ln w="9525">
-            <a:noFill/>
-            <a:miter lim="800000"/>
-            <a:headEnd/>
-            <a:tailEnd/>
-          </a:ln>
-        </p:spPr>
-      </p:pic>
+      <p:sp>
+        <p:nvSpPr>
+          <p:cNvPr id="2" name="Title 1"/>
+          <p:cNvSpPr>
+            <a:spLocks noGrp="1"/>
+          </p:cNvSpPr>
+          <p:nvPr>
+            <p:ph type="title"/>
+          </p:nvPr>
+        </p:nvSpPr>
+        <p:spPr/>
+        <p:txBody>
+          <a:bodyPr/>
+          <a:lstStyle/>
+          <a:p>
+            <a:r>
+              <a:rPr lang="en-IN" dirty="0" smtClean="0"/>
+              <a:t>Code Build</a:t>
+            </a:r>
+            <a:endParaRPr lang="en-IN" dirty="0"/>
+          </a:p>
+        </p:txBody>
+      </p:sp>
+      <p:sp>
+        <p:nvSpPr>
+          <p:cNvPr id="3" name="Subtitle 2"/>
+          <p:cNvSpPr>
+            <a:spLocks noGrp="1"/>
+          </p:cNvSpPr>
+          <p:nvPr>
+            <p:ph idx="1"/>
+          </p:nvPr>
+        </p:nvSpPr>
+        <p:spPr/>
+        <p:txBody>
+          <a:bodyPr>
+            <a:normAutofit lnSpcReduction="10000"/>
+          </a:bodyPr>
+          <a:lstStyle/>
+          <a:p>
+            <a:r>
+              <a:rPr lang="en-IN" dirty="0"/>
+              <a:t>AWS </a:t>
+            </a:r>
+            <a:r>
+              <a:rPr lang="en-IN" dirty="0" err="1"/>
+              <a:t>CodeBuild</a:t>
+            </a:r>
+            <a:r>
+              <a:rPr lang="en-IN" dirty="0"/>
+              <a:t> is a fully managed continuous integration service that compiles source code, runs tests, and produces software packages that are ready to deploy. </a:t>
+            </a:r>
+            <a:endParaRPr lang="en-IN" dirty="0" smtClean="0"/>
+          </a:p>
+          <a:p>
+            <a:r>
+              <a:rPr lang="en-IN" dirty="0" smtClean="0"/>
+              <a:t>With </a:t>
+            </a:r>
+            <a:r>
+              <a:rPr lang="en-IN" dirty="0" err="1"/>
+              <a:t>CodeBuild</a:t>
+            </a:r>
+            <a:r>
+              <a:rPr lang="en-IN" dirty="0"/>
+              <a:t>, you don’t need to provision, manage, and scale your own build servers. </a:t>
+            </a:r>
+            <a:endParaRPr lang="en-IN" dirty="0" smtClean="0"/>
+          </a:p>
+          <a:p>
+            <a:r>
+              <a:rPr lang="en-IN" dirty="0" err="1" smtClean="0"/>
+              <a:t>CodeBuild</a:t>
+            </a:r>
+            <a:r>
+              <a:rPr lang="en-IN" dirty="0" smtClean="0"/>
+              <a:t> </a:t>
+            </a:r>
+            <a:r>
+              <a:rPr lang="en-IN" dirty="0"/>
+              <a:t>scales continuously and processes multiple builds concurrently, so your builds are not left waiting in a queue.</a:t>
+            </a:r>
+          </a:p>
+        </p:txBody>
+      </p:sp>
     </p:spTree>
   </p:cSld>
   <p:clrMapOvr>
@@ -3102,7 +3163,7 @@
 </p:sld>
 </file>
 
-<file path=ppt/slides/slide2.xml><?xml version="1.0" encoding="utf-8"?>
+<file path=ppt/slides/slide10.xml><?xml version="1.0" encoding="utf-8"?>
 <p:sld xmlns:a="http://schemas.openxmlformats.org/drawingml/2006/main" xmlns:r="http://schemas.openxmlformats.org/officeDocument/2006/relationships" xmlns:p="http://schemas.openxmlformats.org/presentationml/2006/main">
   <p:cSld>
     <p:spTree>
@@ -3520,6 +3581,306 @@
 </p:sld>
 </file>
 
+<file path=ppt/slides/slide11.xml><?xml version="1.0" encoding="utf-8"?>
+<p:sld xmlns:a="http://schemas.openxmlformats.org/drawingml/2006/main" xmlns:r="http://schemas.openxmlformats.org/officeDocument/2006/relationships" xmlns:p="http://schemas.openxmlformats.org/presentationml/2006/main">
+  <p:cSld>
+    <p:spTree>
+      <p:nvGrpSpPr>
+        <p:cNvPr id="1" name=""/>
+        <p:cNvGrpSpPr/>
+        <p:nvPr/>
+      </p:nvGrpSpPr>
+      <p:grpSpPr>
+        <a:xfrm>
+          <a:off x="0" y="0"/>
+          <a:ext cx="0" cy="0"/>
+          <a:chOff x="0" y="0"/>
+          <a:chExt cx="0" cy="0"/>
+        </a:xfrm>
+      </p:grpSpPr>
+      <p:sp>
+        <p:nvSpPr>
+          <p:cNvPr id="3" name="Rectangle 2"/>
+          <p:cNvSpPr/>
+          <p:nvPr/>
+        </p:nvSpPr>
+        <p:spPr>
+          <a:xfrm>
+            <a:off x="539552" y="260648"/>
+            <a:ext cx="8136904" cy="1477328"/>
+          </a:xfrm>
+          <a:prstGeom prst="rect">
+            <a:avLst/>
+          </a:prstGeom>
+        </p:spPr>
+        <p:txBody>
+          <a:bodyPr wrap="square">
+            <a:spAutoFit/>
+          </a:bodyPr>
+          <a:lstStyle/>
+          <a:p>
+            <a:r>
+              <a:rPr lang="en-IN" dirty="0" smtClean="0"/>
+              <a:t>A </a:t>
+            </a:r>
+            <a:r>
+              <a:rPr lang="en-IN" i="1" dirty="0" smtClean="0"/>
+              <a:t>build project</a:t>
+            </a:r>
+            <a:r>
+              <a:rPr lang="en-IN" dirty="0" smtClean="0"/>
+              <a:t> includes information about how to run a build, including where to get the source code, which build environment to use, which build commands to run, and where to store the build output. </a:t>
+            </a:r>
+          </a:p>
+          <a:p>
+            <a:r>
+              <a:rPr lang="en-IN" dirty="0" smtClean="0"/>
+              <a:t>A </a:t>
+            </a:r>
+            <a:r>
+              <a:rPr lang="en-IN" i="1" dirty="0" smtClean="0"/>
+              <a:t>build environment</a:t>
+            </a:r>
+            <a:r>
+              <a:rPr lang="en-IN" dirty="0" smtClean="0"/>
+              <a:t> represents a combination of operating system, programming language runtime, and tools that </a:t>
+            </a:r>
+            <a:r>
+              <a:rPr lang="en-IN" dirty="0" err="1" smtClean="0"/>
+              <a:t>CodeBuild</a:t>
+            </a:r>
+            <a:r>
+              <a:rPr lang="en-IN" dirty="0" smtClean="0"/>
+              <a:t> uses to run a build.</a:t>
+            </a:r>
+            <a:endParaRPr lang="en-IN" dirty="0"/>
+          </a:p>
+        </p:txBody>
+      </p:sp>
+      <p:sp>
+        <p:nvSpPr>
+          <p:cNvPr id="4" name="Rectangle 3"/>
+          <p:cNvSpPr/>
+          <p:nvPr/>
+        </p:nvSpPr>
+        <p:spPr>
+          <a:xfrm>
+            <a:off x="2404130" y="3244334"/>
+            <a:ext cx="4335739" cy="369332"/>
+          </a:xfrm>
+          <a:prstGeom prst="rect">
+            <a:avLst/>
+          </a:prstGeom>
+        </p:spPr>
+        <p:txBody>
+          <a:bodyPr wrap="none">
+            <a:spAutoFit/>
+          </a:bodyPr>
+          <a:lstStyle/>
+          <a:p>
+            <a:r>
+              <a:rPr lang="en-IN" dirty="0" smtClean="0"/>
+              <a:t>1272c23a102ff856e8efc43ff8cffff39170ac73</a:t>
+            </a:r>
+            <a:endParaRPr lang="en-IN" dirty="0"/>
+          </a:p>
+        </p:txBody>
+      </p:sp>
+    </p:spTree>
+  </p:cSld>
+  <p:clrMapOvr>
+    <a:masterClrMapping/>
+  </p:clrMapOvr>
+</p:sld>
+</file>
+
+<file path=ppt/slides/slide12.xml><?xml version="1.0" encoding="utf-8"?>
+<p:sld xmlns:a="http://schemas.openxmlformats.org/drawingml/2006/main" xmlns:r="http://schemas.openxmlformats.org/officeDocument/2006/relationships" xmlns:p="http://schemas.openxmlformats.org/presentationml/2006/main">
+  <p:cSld>
+    <p:spTree>
+      <p:nvGrpSpPr>
+        <p:cNvPr id="1" name=""/>
+        <p:cNvGrpSpPr/>
+        <p:nvPr/>
+      </p:nvGrpSpPr>
+      <p:grpSpPr>
+        <a:xfrm>
+          <a:off x="0" y="0"/>
+          <a:ext cx="0" cy="0"/>
+          <a:chOff x="0" y="0"/>
+          <a:chExt cx="0" cy="0"/>
+        </a:xfrm>
+      </p:grpSpPr>
+      <p:sp>
+        <p:nvSpPr>
+          <p:cNvPr id="4" name="Title 3"/>
+          <p:cNvSpPr>
+            <a:spLocks noGrp="1"/>
+          </p:cNvSpPr>
+          <p:nvPr>
+            <p:ph type="title"/>
+          </p:nvPr>
+        </p:nvSpPr>
+        <p:spPr/>
+        <p:txBody>
+          <a:bodyPr>
+            <a:normAutofit/>
+          </a:bodyPr>
+          <a:lstStyle/>
+          <a:p>
+            <a:r>
+              <a:rPr lang="en-IN" dirty="0" smtClean="0"/>
+              <a:t>GIT</a:t>
+            </a:r>
+            <a:endParaRPr lang="en-IN" dirty="0"/>
+          </a:p>
+        </p:txBody>
+      </p:sp>
+      <p:sp>
+        <p:nvSpPr>
+          <p:cNvPr id="5" name="Content Placeholder 4"/>
+          <p:cNvSpPr>
+            <a:spLocks noGrp="1"/>
+          </p:cNvSpPr>
+          <p:nvPr>
+            <p:ph idx="1"/>
+          </p:nvPr>
+        </p:nvSpPr>
+        <p:spPr/>
+        <p:txBody>
+          <a:bodyPr/>
+          <a:lstStyle/>
+          <a:p>
+            <a:r>
+              <a:rPr lang="en-IN" dirty="0" smtClean="0"/>
+              <a:t>git init</a:t>
+            </a:r>
+          </a:p>
+          <a:p>
+            <a:r>
+              <a:rPr lang="en-IN" dirty="0" smtClean="0"/>
+              <a:t>git remote add origin &lt;git </a:t>
+            </a:r>
+            <a:r>
+              <a:rPr lang="en-IN" dirty="0" err="1" smtClean="0"/>
+              <a:t>url</a:t>
+            </a:r>
+            <a:r>
+              <a:rPr lang="en-IN" dirty="0" smtClean="0"/>
+              <a:t>&gt;</a:t>
+            </a:r>
+          </a:p>
+          <a:p>
+            <a:r>
+              <a:rPr lang="en-IN" dirty="0" smtClean="0"/>
+              <a:t>git remote –v</a:t>
+            </a:r>
+          </a:p>
+          <a:p>
+            <a:r>
+              <a:rPr lang="en-IN" dirty="0" smtClean="0"/>
+              <a:t>git clone &lt;git repo </a:t>
+            </a:r>
+            <a:r>
+              <a:rPr lang="en-IN" dirty="0" err="1" smtClean="0"/>
+              <a:t>url</a:t>
+            </a:r>
+            <a:r>
+              <a:rPr lang="en-IN" dirty="0" smtClean="0"/>
+              <a:t>&gt;</a:t>
+            </a:r>
+          </a:p>
+          <a:p>
+            <a:r>
+              <a:rPr lang="en-IN" dirty="0" smtClean="0"/>
+              <a:t>git add &lt;file names&gt; (or) git add .</a:t>
+            </a:r>
+          </a:p>
+          <a:p>
+            <a:r>
+              <a:rPr lang="en-IN" dirty="0" smtClean="0"/>
+              <a:t>git commit -m “commit message”</a:t>
+            </a:r>
+          </a:p>
+          <a:p>
+            <a:r>
+              <a:rPr lang="en-IN" dirty="0" smtClean="0"/>
+              <a:t>git push origin master</a:t>
+            </a:r>
+          </a:p>
+          <a:p>
+            <a:endParaRPr lang="en-IN" dirty="0" smtClean="0"/>
+          </a:p>
+          <a:p>
+            <a:endParaRPr lang="en-IN" dirty="0"/>
+          </a:p>
+        </p:txBody>
+      </p:sp>
+    </p:spTree>
+  </p:cSld>
+  <p:clrMapOvr>
+    <a:masterClrMapping/>
+  </p:clrMapOvr>
+</p:sld>
+</file>
+
+<file path=ppt/slides/slide2.xml><?xml version="1.0" encoding="utf-8"?>
+<p:sld xmlns:a="http://schemas.openxmlformats.org/drawingml/2006/main" xmlns:r="http://schemas.openxmlformats.org/officeDocument/2006/relationships" xmlns:p="http://schemas.openxmlformats.org/presentationml/2006/main">
+  <p:cSld>
+    <p:spTree>
+      <p:nvGrpSpPr>
+        <p:cNvPr id="1" name=""/>
+        <p:cNvGrpSpPr/>
+        <p:nvPr/>
+      </p:nvGrpSpPr>
+      <p:grpSpPr>
+        <a:xfrm>
+          <a:off x="0" y="0"/>
+          <a:ext cx="0" cy="0"/>
+          <a:chOff x="0" y="0"/>
+          <a:chExt cx="0" cy="0"/>
+        </a:xfrm>
+      </p:grpSpPr>
+      <p:pic>
+        <p:nvPicPr>
+          <p:cNvPr id="5122" name="Picture 2"/>
+          <p:cNvPicPr>
+            <a:picLocks noChangeAspect="1" noChangeArrowheads="1"/>
+          </p:cNvPicPr>
+          <p:nvPr/>
+        </p:nvPicPr>
+        <p:blipFill>
+          <a:blip r:embed="rId2" cstate="print"/>
+          <a:srcRect/>
+          <a:stretch>
+            <a:fillRect/>
+          </a:stretch>
+        </p:blipFill>
+        <p:spPr bwMode="auto">
+          <a:xfrm>
+            <a:off x="323528" y="692696"/>
+            <a:ext cx="8511158" cy="4785190"/>
+          </a:xfrm>
+          <a:prstGeom prst="rect">
+            <a:avLst/>
+          </a:prstGeom>
+          <a:noFill/>
+          <a:ln w="9525">
+            <a:noFill/>
+            <a:miter lim="800000"/>
+            <a:headEnd/>
+            <a:tailEnd/>
+          </a:ln>
+        </p:spPr>
+      </p:pic>
+    </p:spTree>
+  </p:cSld>
+  <p:clrMapOvr>
+    <a:masterClrMapping/>
+  </p:clrMapOvr>
+</p:sld>
+</file>
+
 <file path=ppt/slides/slide3.xml><?xml version="1.0" encoding="utf-8"?>
 <p:sld xmlns:a="http://schemas.openxmlformats.org/drawingml/2006/main" xmlns:r="http://schemas.openxmlformats.org/officeDocument/2006/relationships" xmlns:p="http://schemas.openxmlformats.org/presentationml/2006/main">
   <p:cSld>
@@ -3537,60 +3898,125 @@
           <a:chExt cx="0" cy="0"/>
         </a:xfrm>
       </p:grpSpPr>
-      <p:sp>
-        <p:nvSpPr>
-          <p:cNvPr id="3" name="Rectangle 2"/>
-          <p:cNvSpPr/>
+      <p:pic>
+        <p:nvPicPr>
+          <p:cNvPr id="1026" name="Picture 2" descr="C:\Users\Personal\Desktop\aaa.jpg"/>
+          <p:cNvPicPr>
+            <a:picLocks noGrp="1" noChangeAspect="1" noChangeArrowheads="1"/>
+          </p:cNvPicPr>
+          <p:nvPr>
+            <p:ph idx="1"/>
+          </p:nvPr>
+        </p:nvPicPr>
+        <p:blipFill>
+          <a:blip r:embed="rId2" cstate="print"/>
+          <a:srcRect/>
+          <a:stretch>
+            <a:fillRect/>
+          </a:stretch>
+        </p:blipFill>
+        <p:spPr bwMode="auto">
+          <a:xfrm>
+            <a:off x="323528" y="1916832"/>
+            <a:ext cx="4608512" cy="2206619"/>
+          </a:xfrm>
+          <a:prstGeom prst="rect">
+            <a:avLst/>
+          </a:prstGeom>
+          <a:noFill/>
+        </p:spPr>
+      </p:pic>
+      <p:pic>
+        <p:nvPicPr>
+          <p:cNvPr id="1027" name="Picture 3" descr="C:\Users\Personal\Desktop\aaa.jpg"/>
+          <p:cNvPicPr>
+            <a:picLocks noChangeAspect="1" noChangeArrowheads="1"/>
+          </p:cNvPicPr>
+          <p:nvPr/>
+        </p:nvPicPr>
+        <p:blipFill>
+          <a:blip r:embed="rId3" cstate="print"/>
+          <a:srcRect/>
+          <a:stretch>
+            <a:fillRect/>
+          </a:stretch>
+        </p:blipFill>
+        <p:spPr bwMode="auto">
+          <a:xfrm>
+            <a:off x="4067944" y="4149080"/>
+            <a:ext cx="4600575" cy="2362200"/>
+          </a:xfrm>
+          <a:prstGeom prst="rect">
+            <a:avLst/>
+          </a:prstGeom>
+          <a:noFill/>
+        </p:spPr>
+      </p:pic>
+      <p:sp>
+        <p:nvSpPr>
+          <p:cNvPr id="6" name="TextBox 5"/>
+          <p:cNvSpPr txBox="1"/>
           <p:nvPr/>
         </p:nvSpPr>
         <p:spPr>
           <a:xfrm>
-            <a:off x="539552" y="260648"/>
+            <a:off x="539552" y="476672"/>
             <a:ext cx="8136904" cy="1477328"/>
           </a:xfrm>
           <a:prstGeom prst="rect">
             <a:avLst/>
           </a:prstGeom>
+          <a:noFill/>
         </p:spPr>
         <p:txBody>
-          <a:bodyPr wrap="square">
+          <a:bodyPr wrap="square" rtlCol="0">
             <a:spAutoFit/>
           </a:bodyPr>
           <a:lstStyle/>
           <a:p>
             <a:r>
               <a:rPr lang="en-IN" dirty="0" smtClean="0"/>
-              <a:t>A </a:t>
-            </a:r>
-            <a:r>
-              <a:rPr lang="en-IN" i="1" dirty="0" smtClean="0"/>
-              <a:t>build project</a:t>
+              <a:t>“Building” code refers to languages that require compiled binaries. </a:t>
+            </a:r>
+          </a:p>
+          <a:p>
+            <a:r>
+              <a:rPr lang="en-IN" dirty="0" err="1" smtClean="0"/>
+              <a:t>Eg</a:t>
             </a:r>
             <a:r>
               <a:rPr lang="en-IN" dirty="0" smtClean="0"/>
-              <a:t> includes information about how to run a build, including where to get the source code, which build environment to use, which build commands to run, and where to store the build output. </a:t>
-            </a:r>
-          </a:p>
-          <a:p>
+              <a:t>: </a:t>
+            </a:r>
+            <a:r>
+              <a:rPr lang="en-IN" dirty="0" err="1" smtClean="0"/>
+              <a:t>.net</a:t>
+            </a:r>
             <a:r>
               <a:rPr lang="en-IN" dirty="0" smtClean="0"/>
-              <a:t>A </a:t>
-            </a:r>
-            <a:r>
-              <a:rPr lang="en-IN" i="1" dirty="0" smtClean="0"/>
-              <a:t>build environment</a:t>
+              <a:t>, Java, IOS languages, process of creating </a:t>
+            </a:r>
+            <a:r>
+              <a:rPr lang="en-IN" dirty="0" err="1" smtClean="0"/>
+              <a:t>docker</a:t>
             </a:r>
             <a:r>
               <a:rPr lang="en-IN" dirty="0" smtClean="0"/>
-              <a:t> represents a combination of operating system, programming language runtime, and tools that </a:t>
+              <a:t> container images is known as “building”</a:t>
+            </a:r>
+          </a:p>
+          <a:p>
+            <a:r>
+              <a:rPr lang="en-IN" dirty="0" smtClean="0"/>
+              <a:t>Languages that do not require to be built: PHP, </a:t>
             </a:r>
             <a:r>
               <a:rPr lang="en-IN" dirty="0" err="1" smtClean="0"/>
-              <a:t>CodeBuild</a:t>
+              <a:t>Node.js,Ruby</a:t>
             </a:r>
             <a:r>
               <a:rPr lang="en-IN" dirty="0" smtClean="0"/>
-              <a:t> uses to run a build.</a:t>
+              <a:t>, Python – these can be directly deployed.</a:t>
             </a:r>
             <a:endParaRPr lang="en-IN" dirty="0"/>
           </a:p>
@@ -3598,14 +4024,14 @@
       </p:sp>
       <p:sp>
         <p:nvSpPr>
-          <p:cNvPr id="4" name="Rectangle 3"/>
+          <p:cNvPr id="5" name="Rectangle 4"/>
           <p:cNvSpPr/>
           <p:nvPr/>
         </p:nvSpPr>
         <p:spPr>
           <a:xfrm>
-            <a:off x="2404130" y="3244334"/>
-            <a:ext cx="4335739" cy="369332"/>
+            <a:off x="5436096" y="2420888"/>
+            <a:ext cx="1664238" cy="369332"/>
           </a:xfrm>
           <a:prstGeom prst="rect">
             <a:avLst/>
@@ -3619,7 +4045,7 @@
           <a:p>
             <a:r>
               <a:rPr lang="en-IN" dirty="0" smtClean="0"/>
-              <a:t>1272c23a102ff856e8efc43ff8cffff39170ac73</a:t>
+              <a:t>k7a7-tznj-bbm2</a:t>
             </a:r>
             <a:endParaRPr lang="en-IN" dirty="0"/>
           </a:p>
@@ -3650,119 +4076,325 @@
           <a:chExt cx="0" cy="0"/>
         </a:xfrm>
       </p:grpSpPr>
-      <p:sp>
-        <p:nvSpPr>
-          <p:cNvPr id="4" name="Title 3"/>
-          <p:cNvSpPr>
-            <a:spLocks noGrp="1"/>
-          </p:cNvSpPr>
-          <p:nvPr>
-            <p:ph type="title"/>
-          </p:nvPr>
-        </p:nvSpPr>
-        <p:spPr/>
-        <p:txBody>
-          <a:bodyPr>
-            <a:normAutofit/>
-          </a:bodyPr>
-          <a:lstStyle/>
-          <a:p>
-            <a:r>
-              <a:rPr lang="en-IN" dirty="0" smtClean="0"/>
-              <a:t>GIT</a:t>
-            </a:r>
-            <a:endParaRPr lang="en-IN" dirty="0"/>
-          </a:p>
-        </p:txBody>
-      </p:sp>
-      <p:sp>
-        <p:nvSpPr>
-          <p:cNvPr id="5" name="Content Placeholder 4"/>
-          <p:cNvSpPr>
-            <a:spLocks noGrp="1"/>
-          </p:cNvSpPr>
+      <p:pic>
+        <p:nvPicPr>
+          <p:cNvPr id="2050" name="Picture 2"/>
+          <p:cNvPicPr>
+            <a:picLocks noChangeAspect="1" noChangeArrowheads="1"/>
+          </p:cNvPicPr>
+          <p:nvPr/>
+        </p:nvPicPr>
+        <p:blipFill>
+          <a:blip r:embed="rId2" cstate="print"/>
+          <a:srcRect/>
+          <a:stretch>
+            <a:fillRect/>
+          </a:stretch>
+        </p:blipFill>
+        <p:spPr bwMode="auto">
+          <a:xfrm>
+            <a:off x="251520" y="692696"/>
+            <a:ext cx="8709217" cy="4896544"/>
+          </a:xfrm>
+          <a:prstGeom prst="rect">
+            <a:avLst/>
+          </a:prstGeom>
+          <a:noFill/>
+          <a:ln w="9525">
+            <a:noFill/>
+            <a:miter lim="800000"/>
+            <a:headEnd/>
+            <a:tailEnd/>
+          </a:ln>
+        </p:spPr>
+      </p:pic>
+    </p:spTree>
+  </p:cSld>
+  <p:clrMapOvr>
+    <a:masterClrMapping/>
+  </p:clrMapOvr>
+</p:sld>
+</file>
+
+<file path=ppt/slides/slide5.xml><?xml version="1.0" encoding="utf-8"?>
+<p:sld xmlns:a="http://schemas.openxmlformats.org/drawingml/2006/main" xmlns:r="http://schemas.openxmlformats.org/officeDocument/2006/relationships" xmlns:p="http://schemas.openxmlformats.org/presentationml/2006/main">
+  <p:cSld>
+    <p:spTree>
+      <p:nvGrpSpPr>
+        <p:cNvPr id="1" name=""/>
+        <p:cNvGrpSpPr/>
+        <p:nvPr/>
+      </p:nvGrpSpPr>
+      <p:grpSpPr>
+        <a:xfrm>
+          <a:off x="0" y="0"/>
+          <a:ext cx="0" cy="0"/>
+          <a:chOff x="0" y="0"/>
+          <a:chExt cx="0" cy="0"/>
+        </a:xfrm>
+      </p:grpSpPr>
+      <p:pic>
+        <p:nvPicPr>
+          <p:cNvPr id="5" name="Picture 3"/>
+          <p:cNvPicPr>
+            <a:picLocks noGrp="1" noChangeAspect="1" noChangeArrowheads="1"/>
+          </p:cNvPicPr>
           <p:nvPr>
             <p:ph idx="1"/>
           </p:nvPr>
-        </p:nvSpPr>
-        <p:spPr/>
-        <p:txBody>
-          <a:bodyPr/>
-          <a:lstStyle/>
-          <a:p>
-            <a:r>
-              <a:rPr lang="en-IN" dirty="0" smtClean="0"/>
-              <a:t>git init</a:t>
-            </a:r>
-          </a:p>
-          <a:p>
-            <a:r>
-              <a:rPr lang="en-IN" dirty="0" smtClean="0"/>
-              <a:t>git remote add origin &lt;git </a:t>
-            </a:r>
-            <a:r>
-              <a:rPr lang="en-IN" dirty="0" err="1" smtClean="0"/>
-              <a:t>url</a:t>
-            </a:r>
-            <a:r>
-              <a:rPr lang="en-IN" dirty="0" smtClean="0"/>
-              <a:t>&gt;</a:t>
-            </a:r>
-          </a:p>
-          <a:p>
-            <a:r>
-              <a:rPr lang="en-IN" dirty="0" smtClean="0"/>
-              <a:t>git remote </a:t>
-            </a:r>
-            <a:r>
-              <a:rPr lang="en-IN" dirty="0" smtClean="0"/>
-              <a:t>–v</a:t>
-            </a:r>
-          </a:p>
-          <a:p>
-            <a:r>
-              <a:rPr lang="en-IN" dirty="0" smtClean="0"/>
-              <a:t>git clone &lt;git repo </a:t>
-            </a:r>
-            <a:r>
-              <a:rPr lang="en-IN" dirty="0" err="1" smtClean="0"/>
-              <a:t>url</a:t>
-            </a:r>
-            <a:r>
-              <a:rPr lang="en-IN" dirty="0" smtClean="0"/>
-              <a:t>&gt;</a:t>
-            </a:r>
-          </a:p>
-          <a:p>
-            <a:r>
-              <a:rPr lang="en-IN" dirty="0" smtClean="0"/>
-              <a:t>git add &lt;file names&gt; (or) git add .</a:t>
-            </a:r>
-          </a:p>
-          <a:p>
-            <a:r>
-              <a:rPr lang="en-IN" dirty="0" smtClean="0"/>
-              <a:t>git commit -m “commit message”</a:t>
-            </a:r>
-          </a:p>
-          <a:p>
-            <a:r>
-              <a:rPr lang="en-IN" dirty="0" smtClean="0"/>
-              <a:t>git </a:t>
-            </a:r>
-            <a:r>
-              <a:rPr lang="en-IN" smtClean="0"/>
-              <a:t>push origin master</a:t>
-            </a:r>
-          </a:p>
-          <a:p>
-            <a:endParaRPr lang="en-IN" dirty="0" smtClean="0"/>
-          </a:p>
-          <a:p>
-            <a:endParaRPr lang="en-IN" dirty="0"/>
-          </a:p>
-        </p:txBody>
-      </p:sp>
+        </p:nvPicPr>
+        <p:blipFill>
+          <a:blip r:embed="rId2" cstate="print"/>
+          <a:srcRect/>
+          <a:stretch>
+            <a:fillRect/>
+          </a:stretch>
+        </p:blipFill>
+        <p:spPr bwMode="auto">
+          <a:xfrm>
+            <a:off x="611560" y="908720"/>
+            <a:ext cx="8050085" cy="4525963"/>
+          </a:xfrm>
+          <a:prstGeom prst="rect">
+            <a:avLst/>
+          </a:prstGeom>
+          <a:noFill/>
+          <a:ln w="9525">
+            <a:noFill/>
+            <a:miter lim="800000"/>
+            <a:headEnd/>
+            <a:tailEnd/>
+          </a:ln>
+        </p:spPr>
+      </p:pic>
+    </p:spTree>
+  </p:cSld>
+  <p:clrMapOvr>
+    <a:masterClrMapping/>
+  </p:clrMapOvr>
+</p:sld>
+</file>
+
+<file path=ppt/slides/slide6.xml><?xml version="1.0" encoding="utf-8"?>
+<p:sld xmlns:a="http://schemas.openxmlformats.org/drawingml/2006/main" xmlns:r="http://schemas.openxmlformats.org/officeDocument/2006/relationships" xmlns:p="http://schemas.openxmlformats.org/presentationml/2006/main">
+  <p:cSld>
+    <p:spTree>
+      <p:nvGrpSpPr>
+        <p:cNvPr id="1" name=""/>
+        <p:cNvGrpSpPr/>
+        <p:nvPr/>
+      </p:nvGrpSpPr>
+      <p:grpSpPr>
+        <a:xfrm>
+          <a:off x="0" y="0"/>
+          <a:ext cx="0" cy="0"/>
+          <a:chOff x="0" y="0"/>
+          <a:chExt cx="0" cy="0"/>
+        </a:xfrm>
+      </p:grpSpPr>
+      <p:pic>
+        <p:nvPicPr>
+          <p:cNvPr id="4098" name="Picture 2"/>
+          <p:cNvPicPr>
+            <a:picLocks noChangeAspect="1" noChangeArrowheads="1"/>
+          </p:cNvPicPr>
+          <p:nvPr/>
+        </p:nvPicPr>
+        <p:blipFill>
+          <a:blip r:embed="rId2" cstate="print"/>
+          <a:srcRect/>
+          <a:stretch>
+            <a:fillRect/>
+          </a:stretch>
+        </p:blipFill>
+        <p:spPr bwMode="auto">
+          <a:xfrm>
+            <a:off x="323528" y="476672"/>
+            <a:ext cx="8604448" cy="4837640"/>
+          </a:xfrm>
+          <a:prstGeom prst="rect">
+            <a:avLst/>
+          </a:prstGeom>
+          <a:noFill/>
+          <a:ln w="9525">
+            <a:noFill/>
+            <a:miter lim="800000"/>
+            <a:headEnd/>
+            <a:tailEnd/>
+          </a:ln>
+        </p:spPr>
+      </p:pic>
+    </p:spTree>
+  </p:cSld>
+  <p:clrMapOvr>
+    <a:masterClrMapping/>
+  </p:clrMapOvr>
+</p:sld>
+</file>
+
+<file path=ppt/slides/slide7.xml><?xml version="1.0" encoding="utf-8"?>
+<p:sld xmlns:a="http://schemas.openxmlformats.org/drawingml/2006/main" xmlns:r="http://schemas.openxmlformats.org/officeDocument/2006/relationships" xmlns:p="http://schemas.openxmlformats.org/presentationml/2006/main">
+  <p:cSld>
+    <p:spTree>
+      <p:nvGrpSpPr>
+        <p:cNvPr id="1" name=""/>
+        <p:cNvGrpSpPr/>
+        <p:nvPr/>
+      </p:nvGrpSpPr>
+      <p:grpSpPr>
+        <a:xfrm>
+          <a:off x="0" y="0"/>
+          <a:ext cx="0" cy="0"/>
+          <a:chOff x="0" y="0"/>
+          <a:chExt cx="0" cy="0"/>
+        </a:xfrm>
+      </p:grpSpPr>
+      <p:pic>
+        <p:nvPicPr>
+          <p:cNvPr id="6146" name="Picture 2"/>
+          <p:cNvPicPr>
+            <a:picLocks noChangeAspect="1" noChangeArrowheads="1"/>
+          </p:cNvPicPr>
+          <p:nvPr/>
+        </p:nvPicPr>
+        <p:blipFill>
+          <a:blip r:embed="rId2" cstate="print"/>
+          <a:srcRect/>
+          <a:stretch>
+            <a:fillRect/>
+          </a:stretch>
+        </p:blipFill>
+        <p:spPr bwMode="auto">
+          <a:xfrm>
+            <a:off x="323528" y="980728"/>
+            <a:ext cx="8640959" cy="4858167"/>
+          </a:xfrm>
+          <a:prstGeom prst="rect">
+            <a:avLst/>
+          </a:prstGeom>
+          <a:noFill/>
+          <a:ln w="9525">
+            <a:noFill/>
+            <a:miter lim="800000"/>
+            <a:headEnd/>
+            <a:tailEnd/>
+          </a:ln>
+        </p:spPr>
+      </p:pic>
+    </p:spTree>
+  </p:cSld>
+  <p:clrMapOvr>
+    <a:masterClrMapping/>
+  </p:clrMapOvr>
+</p:sld>
+</file>
+
+<file path=ppt/slides/slide8.xml><?xml version="1.0" encoding="utf-8"?>
+<p:sld xmlns:a="http://schemas.openxmlformats.org/drawingml/2006/main" xmlns:r="http://schemas.openxmlformats.org/officeDocument/2006/relationships" xmlns:p="http://schemas.openxmlformats.org/presentationml/2006/main">
+  <p:cSld>
+    <p:spTree>
+      <p:nvGrpSpPr>
+        <p:cNvPr id="1" name=""/>
+        <p:cNvGrpSpPr/>
+        <p:nvPr/>
+      </p:nvGrpSpPr>
+      <p:grpSpPr>
+        <a:xfrm>
+          <a:off x="0" y="0"/>
+          <a:ext cx="0" cy="0"/>
+          <a:chOff x="0" y="0"/>
+          <a:chExt cx="0" cy="0"/>
+        </a:xfrm>
+      </p:grpSpPr>
+      <p:pic>
+        <p:nvPicPr>
+          <p:cNvPr id="7170" name="Picture 2"/>
+          <p:cNvPicPr>
+            <a:picLocks noChangeAspect="1" noChangeArrowheads="1"/>
+          </p:cNvPicPr>
+          <p:nvPr/>
+        </p:nvPicPr>
+        <p:blipFill>
+          <a:blip r:embed="rId2" cstate="print"/>
+          <a:srcRect/>
+          <a:stretch>
+            <a:fillRect/>
+          </a:stretch>
+        </p:blipFill>
+        <p:spPr bwMode="auto">
+          <a:xfrm>
+            <a:off x="323528" y="980728"/>
+            <a:ext cx="8655174" cy="4866159"/>
+          </a:xfrm>
+          <a:prstGeom prst="rect">
+            <a:avLst/>
+          </a:prstGeom>
+          <a:noFill/>
+          <a:ln w="9525">
+            <a:noFill/>
+            <a:miter lim="800000"/>
+            <a:headEnd/>
+            <a:tailEnd/>
+          </a:ln>
+        </p:spPr>
+      </p:pic>
+    </p:spTree>
+  </p:cSld>
+  <p:clrMapOvr>
+    <a:masterClrMapping/>
+  </p:clrMapOvr>
+</p:sld>
+</file>
+
+<file path=ppt/slides/slide9.xml><?xml version="1.0" encoding="utf-8"?>
+<p:sld xmlns:a="http://schemas.openxmlformats.org/drawingml/2006/main" xmlns:r="http://schemas.openxmlformats.org/officeDocument/2006/relationships" xmlns:p="http://schemas.openxmlformats.org/presentationml/2006/main">
+  <p:cSld>
+    <p:spTree>
+      <p:nvGrpSpPr>
+        <p:cNvPr id="1" name=""/>
+        <p:cNvGrpSpPr/>
+        <p:nvPr/>
+      </p:nvGrpSpPr>
+      <p:grpSpPr>
+        <a:xfrm>
+          <a:off x="0" y="0"/>
+          <a:ext cx="0" cy="0"/>
+          <a:chOff x="0" y="0"/>
+          <a:chExt cx="0" cy="0"/>
+        </a:xfrm>
+      </p:grpSpPr>
+      <p:pic>
+        <p:nvPicPr>
+          <p:cNvPr id="1026" name="Picture 2"/>
+          <p:cNvPicPr>
+            <a:picLocks noChangeAspect="1" noChangeArrowheads="1"/>
+          </p:cNvPicPr>
+          <p:nvPr/>
+        </p:nvPicPr>
+        <p:blipFill>
+          <a:blip r:embed="rId2" cstate="print"/>
+          <a:srcRect/>
+          <a:stretch>
+            <a:fillRect/>
+          </a:stretch>
+        </p:blipFill>
+        <p:spPr bwMode="auto">
+          <a:xfrm>
+            <a:off x="272802" y="476672"/>
+            <a:ext cx="8581140" cy="4824536"/>
+          </a:xfrm>
+          <a:prstGeom prst="rect">
+            <a:avLst/>
+          </a:prstGeom>
+          <a:noFill/>
+          <a:ln w="9525">
+            <a:noFill/>
+            <a:miter lim="800000"/>
+            <a:headEnd/>
+            <a:tailEnd/>
+          </a:ln>
+        </p:spPr>
+      </p:pic>
     </p:spTree>
   </p:cSld>
   <p:clrMapOvr>
